--- a/SLIDE/Lec00.pptx
+++ b/SLIDE/Lec00.pptx
@@ -110,6 +110,11 @@
       </a:defRPr>
     </a:lvl9pPr>
   </p:defaultTextStyle>
+  <p:extLst>
+    <p:ext uri="{EFAFB233-063F-42B5-8137-9DF3F51BA10A}">
+      <p15:sldGuideLst xmlns:p15="http://schemas.microsoft.com/office/powerpoint/2012/main"/>
+    </p:ext>
+  </p:extLst>
 </p:presentation>
 </file>
 
@@ -5944,6 +5949,36 @@
           <a:bodyPr/>
           <a:lstStyle/>
           <a:p>
+            <a:r>
+              <a:rPr lang="en-US" dirty="0" smtClean="0"/>
+              <a:t>All Digital Media Is Built On Pixel</a:t>
+            </a:r>
+          </a:p>
+          <a:p>
+            <a:r>
+              <a:rPr lang="en-US" dirty="0" smtClean="0"/>
+              <a:t>Image is A 2D or 3D Matrix</a:t>
+            </a:r>
+          </a:p>
+          <a:p>
+            <a:r>
+              <a:rPr lang="en-US" dirty="0" smtClean="0"/>
+              <a:t>Videos is A Sequence of Image Plus Audio</a:t>
+            </a:r>
+          </a:p>
+          <a:p>
+            <a:r>
+              <a:rPr lang="en-US" dirty="0" smtClean="0"/>
+              <a:t>Computer Graphics Is Based on Homogenous Coordinate</a:t>
+            </a:r>
+          </a:p>
+          <a:p>
+            <a:r>
+              <a:rPr lang="en-US" dirty="0" smtClean="0"/>
+              <a:t>All Points and Its Transformation Can Be Manipulated By Linear Algebra</a:t>
+            </a:r>
+          </a:p>
+          <a:p>
             <a:endParaRPr lang="en-US" dirty="0"/>
           </a:p>
         </p:txBody>
@@ -6027,7 +6062,40 @@
           <a:bodyPr/>
           <a:lstStyle/>
           <a:p>
-            <a:endParaRPr lang="en-US"/>
+            <a:r>
+              <a:rPr lang="en-US" dirty="0" smtClean="0"/>
+              <a:t>Understanding Fundamental Concept of Linear Algebra and Matrix</a:t>
+            </a:r>
+          </a:p>
+          <a:p>
+            <a:r>
+              <a:rPr lang="en-US" dirty="0" smtClean="0"/>
+              <a:t>Understanding and Solving System of Linear Equation</a:t>
+            </a:r>
+          </a:p>
+          <a:p>
+            <a:r>
+              <a:rPr lang="en-US" dirty="0" smtClean="0"/>
+              <a:t>Understanding Vector, Vector Space, and Its Operations</a:t>
+            </a:r>
+            <a:endParaRPr lang="en-US" dirty="0" smtClean="0"/>
+          </a:p>
+          <a:p>
+            <a:r>
+              <a:rPr lang="en-US" dirty="0" smtClean="0"/>
+              <a:t>Understanding Matrix</a:t>
+            </a:r>
+          </a:p>
+          <a:p>
+            <a:r>
+              <a:rPr lang="en-US" dirty="0" smtClean="0"/>
+              <a:t>Application of Linear Algebra in </a:t>
+            </a:r>
+            <a:r>
+              <a:rPr lang="en-US" smtClean="0"/>
+              <a:t>Digital Media </a:t>
+            </a:r>
+            <a:endParaRPr lang="en-US" dirty="0"/>
           </a:p>
         </p:txBody>
       </p:sp>
